--- a/inflearn07/doc/교재.pptx
+++ b/inflearn07/doc/교재.pptx
@@ -5,24 +5,25 @@
     <p:sldMasterId id="2147483648" r:id="rId1"/>
   </p:sldMasterIdLst>
   <p:notesMasterIdLst>
-    <p:notesMasterId r:id="rId14"/>
+    <p:notesMasterId r:id="rId15"/>
   </p:notesMasterIdLst>
   <p:handoutMasterIdLst>
-    <p:handoutMasterId r:id="rId15"/>
+    <p:handoutMasterId r:id="rId16"/>
   </p:handoutMasterIdLst>
   <p:sldIdLst>
     <p:sldId id="261" r:id="rId2"/>
     <p:sldId id="286" r:id="rId3"/>
     <p:sldId id="287" r:id="rId4"/>
     <p:sldId id="288" r:id="rId5"/>
-    <p:sldId id="290" r:id="rId6"/>
-    <p:sldId id="289" r:id="rId7"/>
-    <p:sldId id="292" r:id="rId8"/>
-    <p:sldId id="294" r:id="rId9"/>
-    <p:sldId id="296" r:id="rId10"/>
-    <p:sldId id="293" r:id="rId11"/>
-    <p:sldId id="295" r:id="rId12"/>
-    <p:sldId id="297" r:id="rId13"/>
+    <p:sldId id="298" r:id="rId6"/>
+    <p:sldId id="290" r:id="rId7"/>
+    <p:sldId id="289" r:id="rId8"/>
+    <p:sldId id="292" r:id="rId9"/>
+    <p:sldId id="294" r:id="rId10"/>
+    <p:sldId id="296" r:id="rId11"/>
+    <p:sldId id="293" r:id="rId12"/>
+    <p:sldId id="295" r:id="rId13"/>
+    <p:sldId id="297" r:id="rId14"/>
   </p:sldIdLst>
   <p:sldSz cx="12192000" cy="6858000"/>
   <p:notesSz cx="6858000" cy="9144000"/>
@@ -648,7 +649,7 @@
                 <a:latin typeface="맑은 고딕" panose="020B0503020000020004" pitchFamily="50" charset="-127"/>
                 <a:ea typeface="맑은 고딕" panose="020B0503020000020004" pitchFamily="50" charset="-127"/>
               </a:rPr>
-              <a:t>2021년 3월 20일</a:t>
+              <a:t>2021년 3월 22일</a:t>
             </a:fld>
             <a:endParaRPr lang="ko-KR" altLang="en-US">
               <a:latin typeface="맑은 고딕" panose="020B0503020000020004" pitchFamily="50" charset="-127"/>
@@ -834,7 +835,7 @@
             <a:fld id="{BE16EC8A-0758-4FA9-BF4D-3119057076D1}" type="datetime4">
               <a:rPr lang="ko-KR" altLang="en-US" smtClean="0"/>
               <a:pPr/>
-              <a:t>2021년 3월 20일</a:t>
+              <a:t>2021년 3월 22일</a:t>
             </a:fld>
             <a:endParaRPr lang="ko-KR" altLang="en-US"/>
           </a:p>
@@ -3410,7 +3411,7 @@
           <a:p>
             <a:fld id="{2A5B65E4-62A8-4988-B07B-5D6D443B14ED}" type="datetime4">
               <a:rPr lang="ko-KR" altLang="en-US" smtClean="0"/>
-              <a:t>2021년 3월 20일</a:t>
+              <a:t>2021년 3월 22일</a:t>
             </a:fld>
             <a:endParaRPr lang="ko-KR" altLang="en-US"/>
           </a:p>
@@ -3666,7 +3667,7 @@
           <a:p>
             <a:fld id="{58EB6286-0DE7-4336-9826-977AD102FCF2}" type="datetime4">
               <a:rPr lang="ko-KR" altLang="en-US" noProof="0" smtClean="0"/>
-              <a:t>2021년 3월 20일</a:t>
+              <a:t>2021년 3월 22일</a:t>
             </a:fld>
             <a:endParaRPr lang="ko-KR" altLang="en-US" noProof="0"/>
           </a:p>
@@ -3862,7 +3863,7 @@
             <a:pPr rtl="0"/>
             <a:fld id="{6A5419DA-7218-42E5-A443-F000500111E1}" type="datetime4">
               <a:rPr lang="ko-KR" altLang="en-US" noProof="0" smtClean="0"/>
-              <a:t>2021년 3월 20일</a:t>
+              <a:t>2021년 3월 22일</a:t>
             </a:fld>
             <a:endParaRPr lang="ko-KR" altLang="en-US" noProof="0"/>
           </a:p>
@@ -6263,7 +6264,7 @@
           <a:p>
             <a:fld id="{E498C52F-1DF1-4226-BAB6-C1E2EE4C9D62}" type="datetime4">
               <a:rPr lang="ko-KR" altLang="en-US" noProof="0" smtClean="0"/>
-              <a:t>2021년 3월 20일</a:t>
+              <a:t>2021년 3월 22일</a:t>
             </a:fld>
             <a:endParaRPr lang="ko-KR" altLang="en-US" noProof="0"/>
           </a:p>
@@ -6782,7 +6783,7 @@
           <a:p>
             <a:fld id="{7B1E1FFC-F755-4558-8D3C-A157D1A01A8A}" type="datetime4">
               <a:rPr lang="ko-KR" altLang="en-US" noProof="0" smtClean="0"/>
-              <a:t>2021년 3월 20일</a:t>
+              <a:t>2021년 3월 22일</a:t>
             </a:fld>
             <a:endParaRPr lang="ko-KR" altLang="en-US" noProof="0"/>
           </a:p>
@@ -6926,7 +6927,7 @@
             <a:pPr rtl="0"/>
             <a:fld id="{DA2A33C0-A4A8-4C90-B6DA-35B8CF58C816}" type="datetime4">
               <a:rPr lang="ko-KR" altLang="en-US" noProof="0" smtClean="0"/>
-              <a:t>2021년 3월 20일</a:t>
+              <a:t>2021년 3월 22일</a:t>
             </a:fld>
             <a:endParaRPr lang="ko-KR" altLang="en-US" noProof="0"/>
           </a:p>
@@ -8874,7 +8875,7 @@
           <a:p>
             <a:fld id="{53CB1B8F-A14A-4BE4-A9B9-3B263F04145C}" type="datetime4">
               <a:rPr lang="ko-KR" altLang="en-US" noProof="0" smtClean="0"/>
-              <a:t>2021년 3월 20일</a:t>
+              <a:t>2021년 3월 22일</a:t>
             </a:fld>
             <a:endParaRPr lang="ko-KR" altLang="en-US" noProof="0"/>
           </a:p>
@@ -11171,7 +11172,7 @@
           <a:p>
             <a:fld id="{5B9196A3-957C-4113-A568-B6ED9AEA3D01}" type="datetime4">
               <a:rPr lang="ko-KR" altLang="en-US" noProof="0" smtClean="0"/>
-              <a:t>2021년 3월 20일</a:t>
+              <a:t>2021년 3월 22일</a:t>
             </a:fld>
             <a:endParaRPr lang="ko-KR" altLang="en-US" noProof="0"/>
           </a:p>
@@ -15488,7 +15489,7 @@
           <a:p>
             <a:fld id="{28BEB146-D335-4DA5-9826-58595BCDBE2E}" type="datetime4">
               <a:rPr lang="ko-KR" altLang="en-US" noProof="0" smtClean="0"/>
-              <a:t>2021년 3월 20일</a:t>
+              <a:t>2021년 3월 22일</a:t>
             </a:fld>
             <a:endParaRPr lang="ko-KR" altLang="en-US" noProof="0"/>
           </a:p>
@@ -16108,6 +16109,120 @@
             </a:r>
             <a:r>
               <a:rPr lang="ko-KR" altLang="en-US" dirty="0"/>
+              <a:t>어디에 기록할 것인가</a:t>
+            </a:r>
+            <a:r>
+              <a:rPr lang="en-US" altLang="ko-KR" dirty="0"/>
+              <a:t>.</a:t>
+            </a:r>
+            <a:endParaRPr lang="ko-KR" altLang="en-US" dirty="0"/>
+          </a:p>
+        </p:txBody>
+      </p:sp>
+      <p:pic>
+        <p:nvPicPr>
+          <p:cNvPr id="13" name="내용 개체 틀 12">
+            <a:extLst>
+              <a:ext uri="{FF2B5EF4-FFF2-40B4-BE49-F238E27FC236}">
+                <a16:creationId xmlns:a16="http://schemas.microsoft.com/office/drawing/2014/main" id="{64E51A72-8506-4312-B3FF-9C40D3ACF159}"/>
+              </a:ext>
+            </a:extLst>
+          </p:cNvPr>
+          <p:cNvPicPr>
+            <a:picLocks noGrp="1" noChangeAspect="1"/>
+          </p:cNvPicPr>
+          <p:nvPr>
+            <p:ph idx="1"/>
+          </p:nvPr>
+        </p:nvPicPr>
+        <p:blipFill>
+          <a:blip r:embed="rId2"/>
+          <a:stretch>
+            <a:fillRect/>
+          </a:stretch>
+        </p:blipFill>
+        <p:spPr>
+          <a:xfrm>
+            <a:off x="1295400" y="1920812"/>
+            <a:ext cx="4428142" cy="3810000"/>
+          </a:xfrm>
+        </p:spPr>
+      </p:pic>
+    </p:spTree>
+    <p:extLst>
+      <p:ext uri="{BB962C8B-B14F-4D97-AF65-F5344CB8AC3E}">
+        <p14:creationId xmlns:p14="http://schemas.microsoft.com/office/powerpoint/2010/main" val="2072224079"/>
+      </p:ext>
+    </p:extLst>
+  </p:cSld>
+  <p:clrMapOvr>
+    <a:masterClrMapping/>
+  </p:clrMapOvr>
+  <mc:AlternateContent xmlns:mc="http://schemas.openxmlformats.org/markup-compatibility/2006" xmlns:p14="http://schemas.microsoft.com/office/powerpoint/2010/main">
+    <mc:Choice Requires="p14">
+      <p:transition spd="med" p14:dur="700">
+        <p:fade/>
+      </p:transition>
+    </mc:Choice>
+    <mc:Fallback xmlns="">
+      <p:transition spd="med">
+        <p:fade/>
+      </p:transition>
+    </mc:Fallback>
+  </mc:AlternateContent>
+</p:sld>
+</file>
+
+<file path=ppt/slides/slide11.xml><?xml version="1.0" encoding="utf-8"?>
+<p:sld xmlns:a="http://schemas.openxmlformats.org/drawingml/2006/main" xmlns:r="http://schemas.openxmlformats.org/officeDocument/2006/relationships" xmlns:p="http://schemas.openxmlformats.org/presentationml/2006/main">
+  <p:cSld>
+    <p:spTree>
+      <p:nvGrpSpPr>
+        <p:cNvPr id="1" name=""/>
+        <p:cNvGrpSpPr/>
+        <p:nvPr/>
+      </p:nvGrpSpPr>
+      <p:grpSpPr>
+        <a:xfrm>
+          <a:off x="0" y="0"/>
+          <a:ext cx="0" cy="0"/>
+          <a:chOff x="0" y="0"/>
+          <a:chExt cx="0" cy="0"/>
+        </a:xfrm>
+      </p:grpSpPr>
+      <p:sp>
+        <p:nvSpPr>
+          <p:cNvPr id="2" name="제목 1">
+            <a:extLst>
+              <a:ext uri="{FF2B5EF4-FFF2-40B4-BE49-F238E27FC236}">
+                <a16:creationId xmlns:a16="http://schemas.microsoft.com/office/drawing/2014/main" id="{BA5D0597-4C5A-4BCD-822E-643F66B48745}"/>
+              </a:ext>
+            </a:extLst>
+          </p:cNvPr>
+          <p:cNvSpPr>
+            <a:spLocks noGrp="1"/>
+          </p:cNvSpPr>
+          <p:nvPr>
+            <p:ph type="title"/>
+          </p:nvPr>
+        </p:nvSpPr>
+        <p:spPr/>
+        <p:txBody>
+          <a:bodyPr>
+            <a:normAutofit/>
+          </a:bodyPr>
+          <a:lstStyle/>
+          <a:p>
+            <a:r>
+              <a:rPr lang="ko-KR" altLang="en-US" dirty="0"/>
+              <a:t>우리가 만들 로그 기능 </a:t>
+            </a:r>
+            <a:r>
+              <a:rPr lang="en-US" altLang="ko-KR" dirty="0"/>
+              <a:t>– </a:t>
+            </a:r>
+            <a:r>
+              <a:rPr lang="ko-KR" altLang="en-US" dirty="0"/>
               <a:t>어떻게 기록할 것인가</a:t>
             </a:r>
             <a:r>
@@ -16205,7 +16320,7 @@
 </p:sld>
 </file>
 
-<file path=ppt/slides/slide11.xml><?xml version="1.0" encoding="utf-8"?>
+<file path=ppt/slides/slide12.xml><?xml version="1.0" encoding="utf-8"?>
 <p:sld xmlns:a="http://schemas.openxmlformats.org/drawingml/2006/main" xmlns:r="http://schemas.openxmlformats.org/officeDocument/2006/relationships" xmlns:p="http://schemas.openxmlformats.org/presentationml/2006/main">
   <p:cSld>
     <p:spTree>
@@ -16319,7 +16434,7 @@
 </p:sld>
 </file>
 
-<file path=ppt/slides/slide12.xml><?xml version="1.0" encoding="utf-8"?>
+<file path=ppt/slides/slide13.xml><?xml version="1.0" encoding="utf-8"?>
 <p:sld xmlns:a="http://schemas.openxmlformats.org/drawingml/2006/main" xmlns:r="http://schemas.openxmlformats.org/officeDocument/2006/relationships" xmlns:p="http://schemas.openxmlformats.org/presentationml/2006/main">
   <p:cSld>
     <p:spTree>
@@ -16857,6 +16972,11 @@
           <a:prstGeom prst="rect">
             <a:avLst/>
           </a:prstGeom>
+          <a:solidFill>
+            <a:schemeClr val="bg1">
+              <a:lumMod val="65000"/>
+            </a:schemeClr>
+          </a:solidFill>
         </p:spPr>
         <p:style>
           <a:lnRef idx="2">
@@ -17272,6 +17392,11 @@
           <a:prstGeom prst="rect">
             <a:avLst/>
           </a:prstGeom>
+          <a:solidFill>
+            <a:schemeClr val="bg1">
+              <a:lumMod val="65000"/>
+            </a:schemeClr>
+          </a:solidFill>
         </p:spPr>
         <p:style>
           <a:lnRef idx="2">
@@ -17633,6 +17758,832 @@
       </p:grpSpPr>
       <p:sp>
         <p:nvSpPr>
+          <p:cNvPr id="4" name="직사각형 3">
+            <a:extLst>
+              <a:ext uri="{FF2B5EF4-FFF2-40B4-BE49-F238E27FC236}">
+                <a16:creationId xmlns:a16="http://schemas.microsoft.com/office/drawing/2014/main" id="{29E8828E-BC2D-4CEC-91D1-4066751FEFEE}"/>
+              </a:ext>
+            </a:extLst>
+          </p:cNvPr>
+          <p:cNvSpPr/>
+          <p:nvPr/>
+        </p:nvSpPr>
+        <p:spPr>
+          <a:xfrm>
+            <a:off x="1381468" y="1986682"/>
+            <a:ext cx="2585318" cy="1276213"/>
+          </a:xfrm>
+          <a:prstGeom prst="rect">
+            <a:avLst/>
+          </a:prstGeom>
+          <a:solidFill>
+            <a:schemeClr val="bg1">
+              <a:lumMod val="65000"/>
+            </a:schemeClr>
+          </a:solidFill>
+        </p:spPr>
+        <p:style>
+          <a:lnRef idx="2">
+            <a:schemeClr val="accent1">
+              <a:shade val="50000"/>
+            </a:schemeClr>
+          </a:lnRef>
+          <a:fillRef idx="1">
+            <a:schemeClr val="accent1"/>
+          </a:fillRef>
+          <a:effectRef idx="0">
+            <a:schemeClr val="accent1"/>
+          </a:effectRef>
+          <a:fontRef idx="minor">
+            <a:schemeClr val="lt1"/>
+          </a:fontRef>
+        </p:style>
+        <p:txBody>
+          <a:bodyPr rtlCol="0" anchor="ctr"/>
+          <a:lstStyle/>
+          <a:p>
+            <a:pPr algn="ctr"/>
+            <a:endParaRPr lang="ko-KR" altLang="en-US" dirty="0"/>
+          </a:p>
+        </p:txBody>
+      </p:sp>
+      <p:sp>
+        <p:nvSpPr>
+          <p:cNvPr id="2" name="제목 1">
+            <a:extLst>
+              <a:ext uri="{FF2B5EF4-FFF2-40B4-BE49-F238E27FC236}">
+                <a16:creationId xmlns:a16="http://schemas.microsoft.com/office/drawing/2014/main" id="{BA5D0597-4C5A-4BCD-822E-643F66B48745}"/>
+              </a:ext>
+            </a:extLst>
+          </p:cNvPr>
+          <p:cNvSpPr>
+            <a:spLocks noGrp="1"/>
+          </p:cNvSpPr>
+          <p:nvPr>
+            <p:ph type="title"/>
+          </p:nvPr>
+        </p:nvSpPr>
+        <p:spPr/>
+        <p:txBody>
+          <a:bodyPr>
+            <a:normAutofit/>
+          </a:bodyPr>
+          <a:lstStyle/>
+          <a:p>
+            <a:r>
+              <a:rPr lang="ko-KR" altLang="en-US" dirty="0"/>
+              <a:t>로그파일</a:t>
+            </a:r>
+          </a:p>
+        </p:txBody>
+      </p:sp>
+      <p:sp>
+        <p:nvSpPr>
+          <p:cNvPr id="3" name="TextBox 2">
+            <a:extLst>
+              <a:ext uri="{FF2B5EF4-FFF2-40B4-BE49-F238E27FC236}">
+                <a16:creationId xmlns:a16="http://schemas.microsoft.com/office/drawing/2014/main" id="{ACD64A2A-CE95-42E1-8C17-70C43844AED9}"/>
+              </a:ext>
+            </a:extLst>
+          </p:cNvPr>
+          <p:cNvSpPr txBox="1"/>
+          <p:nvPr/>
+        </p:nvSpPr>
+        <p:spPr>
+          <a:xfrm>
+            <a:off x="1736702" y="2257101"/>
+            <a:ext cx="1569660" cy="369332"/>
+          </a:xfrm>
+          <a:prstGeom prst="rect">
+            <a:avLst/>
+          </a:prstGeom>
+        </p:spPr>
+        <p:style>
+          <a:lnRef idx="2">
+            <a:schemeClr val="dk1"/>
+          </a:lnRef>
+          <a:fillRef idx="1">
+            <a:schemeClr val="lt1"/>
+          </a:fillRef>
+          <a:effectRef idx="0">
+            <a:schemeClr val="dk1"/>
+          </a:effectRef>
+          <a:fontRef idx="minor">
+            <a:schemeClr val="dk1"/>
+          </a:fontRef>
+        </p:style>
+        <p:txBody>
+          <a:bodyPr wrap="none" rtlCol="0">
+            <a:spAutoFit/>
+          </a:bodyPr>
+          <a:lstStyle/>
+          <a:p>
+            <a:r>
+              <a:rPr lang="ko-KR" altLang="en-US" dirty="0" err="1"/>
+              <a:t>비즈니스로직</a:t>
+            </a:r>
+            <a:endParaRPr lang="ko-KR" altLang="en-US" dirty="0"/>
+          </a:p>
+        </p:txBody>
+      </p:sp>
+      <p:sp>
+        <p:nvSpPr>
+          <p:cNvPr id="7" name="TextBox 6">
+            <a:extLst>
+              <a:ext uri="{FF2B5EF4-FFF2-40B4-BE49-F238E27FC236}">
+                <a16:creationId xmlns:a16="http://schemas.microsoft.com/office/drawing/2014/main" id="{F5F7146E-6E8C-4015-87E2-729AA51B5DC4}"/>
+              </a:ext>
+            </a:extLst>
+          </p:cNvPr>
+          <p:cNvSpPr txBox="1"/>
+          <p:nvPr/>
+        </p:nvSpPr>
+        <p:spPr>
+          <a:xfrm>
+            <a:off x="4737289" y="2040169"/>
+            <a:ext cx="1826206" cy="369332"/>
+          </a:xfrm>
+          <a:prstGeom prst="rect">
+            <a:avLst/>
+          </a:prstGeom>
+        </p:spPr>
+        <p:style>
+          <a:lnRef idx="3">
+            <a:schemeClr val="lt1"/>
+          </a:lnRef>
+          <a:fillRef idx="1">
+            <a:schemeClr val="dk1"/>
+          </a:fillRef>
+          <a:effectRef idx="1">
+            <a:schemeClr val="dk1"/>
+          </a:effectRef>
+          <a:fontRef idx="minor">
+            <a:schemeClr val="lt1"/>
+          </a:fontRef>
+        </p:style>
+        <p:txBody>
+          <a:bodyPr wrap="none" rtlCol="0">
+            <a:spAutoFit/>
+          </a:bodyPr>
+          <a:lstStyle/>
+          <a:p>
+            <a:r>
+              <a:rPr lang="en-US" altLang="ko-KR"/>
+              <a:t>pr1.was1.err.log</a:t>
+            </a:r>
+            <a:endParaRPr lang="ko-KR" altLang="en-US" dirty="0"/>
+          </a:p>
+        </p:txBody>
+      </p:sp>
+      <p:sp>
+        <p:nvSpPr>
+          <p:cNvPr id="6" name="TextBox 5">
+            <a:extLst>
+              <a:ext uri="{FF2B5EF4-FFF2-40B4-BE49-F238E27FC236}">
+                <a16:creationId xmlns:a16="http://schemas.microsoft.com/office/drawing/2014/main" id="{D7C36C5F-0ADA-4EC5-947C-AA7E3521A608}"/>
+              </a:ext>
+            </a:extLst>
+          </p:cNvPr>
+          <p:cNvSpPr txBox="1"/>
+          <p:nvPr/>
+        </p:nvSpPr>
+        <p:spPr>
+          <a:xfrm>
+            <a:off x="1889102" y="2409501"/>
+            <a:ext cx="1569660" cy="369332"/>
+          </a:xfrm>
+          <a:prstGeom prst="rect">
+            <a:avLst/>
+          </a:prstGeom>
+        </p:spPr>
+        <p:style>
+          <a:lnRef idx="2">
+            <a:schemeClr val="dk1"/>
+          </a:lnRef>
+          <a:fillRef idx="1">
+            <a:schemeClr val="lt1"/>
+          </a:fillRef>
+          <a:effectRef idx="0">
+            <a:schemeClr val="dk1"/>
+          </a:effectRef>
+          <a:fontRef idx="minor">
+            <a:schemeClr val="dk1"/>
+          </a:fontRef>
+        </p:style>
+        <p:txBody>
+          <a:bodyPr wrap="none" rtlCol="0">
+            <a:spAutoFit/>
+          </a:bodyPr>
+          <a:lstStyle/>
+          <a:p>
+            <a:r>
+              <a:rPr lang="ko-KR" altLang="en-US" dirty="0" err="1"/>
+              <a:t>비즈니스로직</a:t>
+            </a:r>
+            <a:endParaRPr lang="ko-KR" altLang="en-US" dirty="0"/>
+          </a:p>
+        </p:txBody>
+      </p:sp>
+      <p:sp>
+        <p:nvSpPr>
+          <p:cNvPr id="9" name="TextBox 8">
+            <a:extLst>
+              <a:ext uri="{FF2B5EF4-FFF2-40B4-BE49-F238E27FC236}">
+                <a16:creationId xmlns:a16="http://schemas.microsoft.com/office/drawing/2014/main" id="{4A29AC88-F2E8-4AAB-97AA-9BD6D0D5E4A8}"/>
+              </a:ext>
+            </a:extLst>
+          </p:cNvPr>
+          <p:cNvSpPr txBox="1"/>
+          <p:nvPr/>
+        </p:nvSpPr>
+        <p:spPr>
+          <a:xfrm>
+            <a:off x="2041502" y="2561901"/>
+            <a:ext cx="1569660" cy="369332"/>
+          </a:xfrm>
+          <a:prstGeom prst="rect">
+            <a:avLst/>
+          </a:prstGeom>
+        </p:spPr>
+        <p:style>
+          <a:lnRef idx="2">
+            <a:schemeClr val="dk1"/>
+          </a:lnRef>
+          <a:fillRef idx="1">
+            <a:schemeClr val="lt1"/>
+          </a:fillRef>
+          <a:effectRef idx="0">
+            <a:schemeClr val="dk1"/>
+          </a:effectRef>
+          <a:fontRef idx="minor">
+            <a:schemeClr val="dk1"/>
+          </a:fontRef>
+        </p:style>
+        <p:txBody>
+          <a:bodyPr wrap="none" rtlCol="0">
+            <a:spAutoFit/>
+          </a:bodyPr>
+          <a:lstStyle/>
+          <a:p>
+            <a:r>
+              <a:rPr lang="ko-KR" altLang="en-US" dirty="0" err="1"/>
+              <a:t>비즈니스로직</a:t>
+            </a:r>
+            <a:endParaRPr lang="ko-KR" altLang="en-US" dirty="0"/>
+          </a:p>
+        </p:txBody>
+      </p:sp>
+      <p:sp>
+        <p:nvSpPr>
+          <p:cNvPr id="15" name="직사각형 14">
+            <a:extLst>
+              <a:ext uri="{FF2B5EF4-FFF2-40B4-BE49-F238E27FC236}">
+                <a16:creationId xmlns:a16="http://schemas.microsoft.com/office/drawing/2014/main" id="{6F0FE13B-0A7D-4EA4-A70F-0391582DB3AA}"/>
+              </a:ext>
+            </a:extLst>
+          </p:cNvPr>
+          <p:cNvSpPr/>
+          <p:nvPr/>
+        </p:nvSpPr>
+        <p:spPr>
+          <a:xfrm>
+            <a:off x="1381468" y="3567695"/>
+            <a:ext cx="2585318" cy="1276213"/>
+          </a:xfrm>
+          <a:prstGeom prst="rect">
+            <a:avLst/>
+          </a:prstGeom>
+          <a:solidFill>
+            <a:schemeClr val="bg1">
+              <a:lumMod val="65000"/>
+            </a:schemeClr>
+          </a:solidFill>
+        </p:spPr>
+        <p:style>
+          <a:lnRef idx="2">
+            <a:schemeClr val="accent1">
+              <a:shade val="50000"/>
+            </a:schemeClr>
+          </a:lnRef>
+          <a:fillRef idx="1">
+            <a:schemeClr val="accent1"/>
+          </a:fillRef>
+          <a:effectRef idx="0">
+            <a:schemeClr val="accent1"/>
+          </a:effectRef>
+          <a:fontRef idx="minor">
+            <a:schemeClr val="lt1"/>
+          </a:fontRef>
+        </p:style>
+        <p:txBody>
+          <a:bodyPr rtlCol="0" anchor="ctr"/>
+          <a:lstStyle/>
+          <a:p>
+            <a:pPr algn="ctr"/>
+            <a:endParaRPr lang="ko-KR" altLang="en-US" dirty="0"/>
+          </a:p>
+        </p:txBody>
+      </p:sp>
+      <p:sp>
+        <p:nvSpPr>
+          <p:cNvPr id="16" name="TextBox 15">
+            <a:extLst>
+              <a:ext uri="{FF2B5EF4-FFF2-40B4-BE49-F238E27FC236}">
+                <a16:creationId xmlns:a16="http://schemas.microsoft.com/office/drawing/2014/main" id="{73E32D9C-F068-4595-A287-6FDD2C0A8B8F}"/>
+              </a:ext>
+            </a:extLst>
+          </p:cNvPr>
+          <p:cNvSpPr txBox="1"/>
+          <p:nvPr/>
+        </p:nvSpPr>
+        <p:spPr>
+          <a:xfrm>
+            <a:off x="1736702" y="3838114"/>
+            <a:ext cx="1569660" cy="369332"/>
+          </a:xfrm>
+          <a:prstGeom prst="rect">
+            <a:avLst/>
+          </a:prstGeom>
+        </p:spPr>
+        <p:style>
+          <a:lnRef idx="2">
+            <a:schemeClr val="dk1"/>
+          </a:lnRef>
+          <a:fillRef idx="1">
+            <a:schemeClr val="lt1"/>
+          </a:fillRef>
+          <a:effectRef idx="0">
+            <a:schemeClr val="dk1"/>
+          </a:effectRef>
+          <a:fontRef idx="minor">
+            <a:schemeClr val="dk1"/>
+          </a:fontRef>
+        </p:style>
+        <p:txBody>
+          <a:bodyPr wrap="none" rtlCol="0">
+            <a:spAutoFit/>
+          </a:bodyPr>
+          <a:lstStyle/>
+          <a:p>
+            <a:r>
+              <a:rPr lang="ko-KR" altLang="en-US" dirty="0" err="1"/>
+              <a:t>비즈니스로직</a:t>
+            </a:r>
+            <a:endParaRPr lang="ko-KR" altLang="en-US" dirty="0"/>
+          </a:p>
+        </p:txBody>
+      </p:sp>
+      <p:sp>
+        <p:nvSpPr>
+          <p:cNvPr id="17" name="TextBox 16">
+            <a:extLst>
+              <a:ext uri="{FF2B5EF4-FFF2-40B4-BE49-F238E27FC236}">
+                <a16:creationId xmlns:a16="http://schemas.microsoft.com/office/drawing/2014/main" id="{3A45184F-8B86-49F8-A919-E147CBD9E972}"/>
+              </a:ext>
+            </a:extLst>
+          </p:cNvPr>
+          <p:cNvSpPr txBox="1"/>
+          <p:nvPr/>
+        </p:nvSpPr>
+        <p:spPr>
+          <a:xfrm>
+            <a:off x="1889102" y="3990514"/>
+            <a:ext cx="1569660" cy="369332"/>
+          </a:xfrm>
+          <a:prstGeom prst="rect">
+            <a:avLst/>
+          </a:prstGeom>
+        </p:spPr>
+        <p:style>
+          <a:lnRef idx="2">
+            <a:schemeClr val="dk1"/>
+          </a:lnRef>
+          <a:fillRef idx="1">
+            <a:schemeClr val="lt1"/>
+          </a:fillRef>
+          <a:effectRef idx="0">
+            <a:schemeClr val="dk1"/>
+          </a:effectRef>
+          <a:fontRef idx="minor">
+            <a:schemeClr val="dk1"/>
+          </a:fontRef>
+        </p:style>
+        <p:txBody>
+          <a:bodyPr wrap="none" rtlCol="0">
+            <a:spAutoFit/>
+          </a:bodyPr>
+          <a:lstStyle/>
+          <a:p>
+            <a:r>
+              <a:rPr lang="ko-KR" altLang="en-US" dirty="0" err="1"/>
+              <a:t>비즈니스로직</a:t>
+            </a:r>
+            <a:endParaRPr lang="ko-KR" altLang="en-US" dirty="0"/>
+          </a:p>
+        </p:txBody>
+      </p:sp>
+      <p:sp>
+        <p:nvSpPr>
+          <p:cNvPr id="18" name="TextBox 17">
+            <a:extLst>
+              <a:ext uri="{FF2B5EF4-FFF2-40B4-BE49-F238E27FC236}">
+                <a16:creationId xmlns:a16="http://schemas.microsoft.com/office/drawing/2014/main" id="{A296A268-39C1-4CD4-8DCE-BEF0C7E03E93}"/>
+              </a:ext>
+            </a:extLst>
+          </p:cNvPr>
+          <p:cNvSpPr txBox="1"/>
+          <p:nvPr/>
+        </p:nvSpPr>
+        <p:spPr>
+          <a:xfrm>
+            <a:off x="2041502" y="4142914"/>
+            <a:ext cx="1569660" cy="369332"/>
+          </a:xfrm>
+          <a:prstGeom prst="rect">
+            <a:avLst/>
+          </a:prstGeom>
+        </p:spPr>
+        <p:style>
+          <a:lnRef idx="2">
+            <a:schemeClr val="dk1"/>
+          </a:lnRef>
+          <a:fillRef idx="1">
+            <a:schemeClr val="lt1"/>
+          </a:fillRef>
+          <a:effectRef idx="0">
+            <a:schemeClr val="dk1"/>
+          </a:effectRef>
+          <a:fontRef idx="minor">
+            <a:schemeClr val="dk1"/>
+          </a:fontRef>
+        </p:style>
+        <p:txBody>
+          <a:bodyPr wrap="none" rtlCol="0">
+            <a:spAutoFit/>
+          </a:bodyPr>
+          <a:lstStyle/>
+          <a:p>
+            <a:r>
+              <a:rPr lang="ko-KR" altLang="en-US" dirty="0" err="1"/>
+              <a:t>비즈니스로직</a:t>
+            </a:r>
+            <a:endParaRPr lang="ko-KR" altLang="en-US" dirty="0"/>
+          </a:p>
+        </p:txBody>
+      </p:sp>
+      <p:sp>
+        <p:nvSpPr>
+          <p:cNvPr id="27" name="TextBox 26">
+            <a:extLst>
+              <a:ext uri="{FF2B5EF4-FFF2-40B4-BE49-F238E27FC236}">
+                <a16:creationId xmlns:a16="http://schemas.microsoft.com/office/drawing/2014/main" id="{7BD586EB-4E1F-4BDE-8E41-772CE4C8D97E}"/>
+              </a:ext>
+            </a:extLst>
+          </p:cNvPr>
+          <p:cNvSpPr txBox="1"/>
+          <p:nvPr/>
+        </p:nvSpPr>
+        <p:spPr>
+          <a:xfrm>
+            <a:off x="4737289" y="2470200"/>
+            <a:ext cx="2480166" cy="369332"/>
+          </a:xfrm>
+          <a:prstGeom prst="rect">
+            <a:avLst/>
+          </a:prstGeom>
+        </p:spPr>
+        <p:style>
+          <a:lnRef idx="3">
+            <a:schemeClr val="lt1"/>
+          </a:lnRef>
+          <a:fillRef idx="1">
+            <a:schemeClr val="dk1"/>
+          </a:fillRef>
+          <a:effectRef idx="1">
+            <a:schemeClr val="dk1"/>
+          </a:effectRef>
+          <a:fontRef idx="minor">
+            <a:schemeClr val="lt1"/>
+          </a:fontRef>
+        </p:style>
+        <p:txBody>
+          <a:bodyPr wrap="none" rtlCol="0">
+            <a:spAutoFit/>
+          </a:bodyPr>
+          <a:lstStyle/>
+          <a:p>
+            <a:r>
+              <a:rPr lang="en-US" altLang="ko-KR"/>
+              <a:t>pr1.was1.</a:t>
+            </a:r>
+            <a:r>
+              <a:rPr lang="ko-KR" altLang="en-US"/>
+              <a:t>로그파일</a:t>
+            </a:r>
+            <a:r>
+              <a:rPr lang="en-US" altLang="ko-KR"/>
+              <a:t>.log</a:t>
+            </a:r>
+            <a:endParaRPr lang="ko-KR" altLang="en-US" dirty="0"/>
+          </a:p>
+        </p:txBody>
+      </p:sp>
+      <p:sp>
+        <p:nvSpPr>
+          <p:cNvPr id="29" name="TextBox 28">
+            <a:extLst>
+              <a:ext uri="{FF2B5EF4-FFF2-40B4-BE49-F238E27FC236}">
+                <a16:creationId xmlns:a16="http://schemas.microsoft.com/office/drawing/2014/main" id="{68C5F505-6FBA-4B4E-A8CF-914A9AE60820}"/>
+              </a:ext>
+            </a:extLst>
+          </p:cNvPr>
+          <p:cNvSpPr txBox="1"/>
+          <p:nvPr/>
+        </p:nvSpPr>
+        <p:spPr>
+          <a:xfrm>
+            <a:off x="5174966" y="2905251"/>
+            <a:ext cx="3313599" cy="369332"/>
+          </a:xfrm>
+          <a:prstGeom prst="rect">
+            <a:avLst/>
+          </a:prstGeom>
+        </p:spPr>
+        <p:style>
+          <a:lnRef idx="3">
+            <a:schemeClr val="lt1"/>
+          </a:lnRef>
+          <a:fillRef idx="1">
+            <a:schemeClr val="dk1"/>
+          </a:fillRef>
+          <a:effectRef idx="1">
+            <a:schemeClr val="dk1"/>
+          </a:effectRef>
+          <a:fontRef idx="minor">
+            <a:schemeClr val="lt1"/>
+          </a:fontRef>
+        </p:style>
+        <p:txBody>
+          <a:bodyPr wrap="none" rtlCol="0">
+            <a:spAutoFit/>
+          </a:bodyPr>
+          <a:lstStyle/>
+          <a:p>
+            <a:r>
+              <a:rPr lang="en-US" altLang="ko-KR"/>
+              <a:t>pr1.was1.log.20210101111111</a:t>
+            </a:r>
+            <a:endParaRPr lang="ko-KR" altLang="en-US" dirty="0"/>
+          </a:p>
+        </p:txBody>
+      </p:sp>
+      <p:sp>
+        <p:nvSpPr>
+          <p:cNvPr id="30" name="TextBox 29">
+            <a:extLst>
+              <a:ext uri="{FF2B5EF4-FFF2-40B4-BE49-F238E27FC236}">
+                <a16:creationId xmlns:a16="http://schemas.microsoft.com/office/drawing/2014/main" id="{EAF8D16C-0DFB-481F-91E8-2412F3E491D3}"/>
+              </a:ext>
+            </a:extLst>
+          </p:cNvPr>
+          <p:cNvSpPr txBox="1"/>
+          <p:nvPr/>
+        </p:nvSpPr>
+        <p:spPr>
+          <a:xfrm>
+            <a:off x="4737289" y="3573764"/>
+            <a:ext cx="1826206" cy="369332"/>
+          </a:xfrm>
+          <a:prstGeom prst="rect">
+            <a:avLst/>
+          </a:prstGeom>
+        </p:spPr>
+        <p:style>
+          <a:lnRef idx="3">
+            <a:schemeClr val="lt1"/>
+          </a:lnRef>
+          <a:fillRef idx="1">
+            <a:schemeClr val="dk1"/>
+          </a:fillRef>
+          <a:effectRef idx="1">
+            <a:schemeClr val="dk1"/>
+          </a:effectRef>
+          <a:fontRef idx="minor">
+            <a:schemeClr val="lt1"/>
+          </a:fontRef>
+        </p:style>
+        <p:txBody>
+          <a:bodyPr wrap="none" rtlCol="0">
+            <a:spAutoFit/>
+          </a:bodyPr>
+          <a:lstStyle/>
+          <a:p>
+            <a:r>
+              <a:rPr lang="en-US" altLang="ko-KR"/>
+              <a:t>pr2.was1.err.log</a:t>
+            </a:r>
+            <a:endParaRPr lang="ko-KR" altLang="en-US" dirty="0"/>
+          </a:p>
+        </p:txBody>
+      </p:sp>
+      <p:sp>
+        <p:nvSpPr>
+          <p:cNvPr id="31" name="TextBox 30">
+            <a:extLst>
+              <a:ext uri="{FF2B5EF4-FFF2-40B4-BE49-F238E27FC236}">
+                <a16:creationId xmlns:a16="http://schemas.microsoft.com/office/drawing/2014/main" id="{84DDBB6C-05E6-4C90-9660-EF7A1E3B923B}"/>
+              </a:ext>
+            </a:extLst>
+          </p:cNvPr>
+          <p:cNvSpPr txBox="1"/>
+          <p:nvPr/>
+        </p:nvSpPr>
+        <p:spPr>
+          <a:xfrm>
+            <a:off x="4737289" y="4003795"/>
+            <a:ext cx="2480166" cy="369332"/>
+          </a:xfrm>
+          <a:prstGeom prst="rect">
+            <a:avLst/>
+          </a:prstGeom>
+        </p:spPr>
+        <p:style>
+          <a:lnRef idx="3">
+            <a:schemeClr val="lt1"/>
+          </a:lnRef>
+          <a:fillRef idx="1">
+            <a:schemeClr val="dk1"/>
+          </a:fillRef>
+          <a:effectRef idx="1">
+            <a:schemeClr val="dk1"/>
+          </a:effectRef>
+          <a:fontRef idx="minor">
+            <a:schemeClr val="lt1"/>
+          </a:fontRef>
+        </p:style>
+        <p:txBody>
+          <a:bodyPr wrap="none" rtlCol="0">
+            <a:spAutoFit/>
+          </a:bodyPr>
+          <a:lstStyle/>
+          <a:p>
+            <a:r>
+              <a:rPr lang="en-US" altLang="ko-KR"/>
+              <a:t>pr2.was1.</a:t>
+            </a:r>
+            <a:r>
+              <a:rPr lang="ko-KR" altLang="en-US"/>
+              <a:t>로그파일</a:t>
+            </a:r>
+            <a:r>
+              <a:rPr lang="en-US" altLang="ko-KR"/>
+              <a:t>.log</a:t>
+            </a:r>
+            <a:endParaRPr lang="ko-KR" altLang="en-US" dirty="0"/>
+          </a:p>
+        </p:txBody>
+      </p:sp>
+      <p:sp>
+        <p:nvSpPr>
+          <p:cNvPr id="32" name="TextBox 31">
+            <a:extLst>
+              <a:ext uri="{FF2B5EF4-FFF2-40B4-BE49-F238E27FC236}">
+                <a16:creationId xmlns:a16="http://schemas.microsoft.com/office/drawing/2014/main" id="{5C5330E8-4C8B-4165-A3F3-26FD99A43275}"/>
+              </a:ext>
+            </a:extLst>
+          </p:cNvPr>
+          <p:cNvSpPr txBox="1"/>
+          <p:nvPr/>
+        </p:nvSpPr>
+        <p:spPr>
+          <a:xfrm>
+            <a:off x="5174966" y="4438846"/>
+            <a:ext cx="3249479" cy="369332"/>
+          </a:xfrm>
+          <a:prstGeom prst="rect">
+            <a:avLst/>
+          </a:prstGeom>
+        </p:spPr>
+        <p:style>
+          <a:lnRef idx="3">
+            <a:schemeClr val="lt1"/>
+          </a:lnRef>
+          <a:fillRef idx="1">
+            <a:schemeClr val="dk1"/>
+          </a:fillRef>
+          <a:effectRef idx="1">
+            <a:schemeClr val="dk1"/>
+          </a:effectRef>
+          <a:fontRef idx="minor">
+            <a:schemeClr val="lt1"/>
+          </a:fontRef>
+        </p:style>
+        <p:txBody>
+          <a:bodyPr wrap="none" rtlCol="0">
+            <a:spAutoFit/>
+          </a:bodyPr>
+          <a:lstStyle/>
+          <a:p>
+            <a:r>
+              <a:rPr lang="en-US" altLang="ko-KR"/>
+              <a:t>pr2.was1.log.20210101111111</a:t>
+            </a:r>
+            <a:endParaRPr lang="ko-KR" altLang="en-US" dirty="0"/>
+          </a:p>
+        </p:txBody>
+      </p:sp>
+      <p:sp>
+        <p:nvSpPr>
+          <p:cNvPr id="33" name="TextBox 32">
+            <a:extLst>
+              <a:ext uri="{FF2B5EF4-FFF2-40B4-BE49-F238E27FC236}">
+                <a16:creationId xmlns:a16="http://schemas.microsoft.com/office/drawing/2014/main" id="{150D945F-C5C9-4B85-BB87-67C83B3D2884}"/>
+              </a:ext>
+            </a:extLst>
+          </p:cNvPr>
+          <p:cNvSpPr txBox="1"/>
+          <p:nvPr/>
+        </p:nvSpPr>
+        <p:spPr>
+          <a:xfrm>
+            <a:off x="10228283" y="3299069"/>
+            <a:ext cx="877163" cy="369332"/>
+          </a:xfrm>
+          <a:prstGeom prst="rect">
+            <a:avLst/>
+          </a:prstGeom>
+        </p:spPr>
+        <p:style>
+          <a:lnRef idx="2">
+            <a:schemeClr val="dk1"/>
+          </a:lnRef>
+          <a:fillRef idx="1">
+            <a:schemeClr val="lt1"/>
+          </a:fillRef>
+          <a:effectRef idx="0">
+            <a:schemeClr val="dk1"/>
+          </a:effectRef>
+          <a:fontRef idx="minor">
+            <a:schemeClr val="dk1"/>
+          </a:fontRef>
+        </p:style>
+        <p:txBody>
+          <a:bodyPr wrap="none" rtlCol="0">
+            <a:spAutoFit/>
+          </a:bodyPr>
+          <a:lstStyle/>
+          <a:p>
+            <a:r>
+              <a:rPr lang="ko-KR" altLang="en-US" dirty="0"/>
+              <a:t>개발자</a:t>
+            </a:r>
+          </a:p>
+        </p:txBody>
+      </p:sp>
+    </p:spTree>
+    <p:extLst>
+      <p:ext uri="{BB962C8B-B14F-4D97-AF65-F5344CB8AC3E}">
+        <p14:creationId xmlns:p14="http://schemas.microsoft.com/office/powerpoint/2010/main" val="2330803918"/>
+      </p:ext>
+    </p:extLst>
+  </p:cSld>
+  <p:clrMapOvr>
+    <a:masterClrMapping/>
+  </p:clrMapOvr>
+  <mc:AlternateContent xmlns:mc="http://schemas.openxmlformats.org/markup-compatibility/2006" xmlns:p14="http://schemas.microsoft.com/office/powerpoint/2010/main">
+    <mc:Choice Requires="p14">
+      <p:transition spd="med" p14:dur="700">
+        <p:fade/>
+      </p:transition>
+    </mc:Choice>
+    <mc:Fallback xmlns="">
+      <p:transition spd="med">
+        <p:fade/>
+      </p:transition>
+    </mc:Fallback>
+  </mc:AlternateContent>
+</p:sld>
+</file>
+
+<file path=ppt/slides/slide6.xml><?xml version="1.0" encoding="utf-8"?>
+<p:sld xmlns:a="http://schemas.openxmlformats.org/drawingml/2006/main" xmlns:r="http://schemas.openxmlformats.org/officeDocument/2006/relationships" xmlns:p="http://schemas.openxmlformats.org/presentationml/2006/main">
+  <p:cSld>
+    <p:spTree>
+      <p:nvGrpSpPr>
+        <p:cNvPr id="1" name=""/>
+        <p:cNvGrpSpPr/>
+        <p:nvPr/>
+      </p:nvGrpSpPr>
+      <p:grpSpPr>
+        <a:xfrm>
+          <a:off x="0" y="0"/>
+          <a:ext cx="0" cy="0"/>
+          <a:chOff x="0" y="0"/>
+          <a:chExt cx="0" cy="0"/>
+        </a:xfrm>
+      </p:grpSpPr>
+      <p:sp>
+        <p:nvSpPr>
           <p:cNvPr id="2" name="제목 1">
             <a:extLst>
               <a:ext uri="{FF2B5EF4-FFF2-40B4-BE49-F238E27FC236}">
@@ -17685,43 +18636,50 @@
           <a:lstStyle/>
           <a:p>
             <a:r>
-              <a:rPr lang="ko-KR" altLang="en-US" dirty="0"/>
-              <a:t>무엇을 기록할 것인가</a:t>
+              <a:rPr lang="ko-KR" altLang="en-US"/>
+              <a:t>무었을 기록할 것인가</a:t>
             </a:r>
             <a:r>
-              <a:rPr lang="en-US" altLang="ko-KR" dirty="0"/>
+              <a:rPr lang="en-US" altLang="ko-KR"/>
+              <a:t>.</a:t>
+            </a:r>
+            <a:r>
+              <a:rPr lang="ko-KR" altLang="en-US"/>
+              <a:t> </a:t>
+            </a:r>
+            <a:endParaRPr lang="en-US" altLang="ko-KR"/>
+          </a:p>
+          <a:p>
+            <a:r>
+              <a:rPr lang="ko-KR" altLang="en-US"/>
+              <a:t>어디에 기록할 것인가</a:t>
+            </a:r>
+            <a:r>
+              <a:rPr lang="en-US" altLang="ko-KR"/>
               <a:t>.</a:t>
             </a:r>
           </a:p>
           <a:p>
             <a:r>
-              <a:rPr lang="ko-KR" altLang="en-US" dirty="0"/>
-              <a:t>어디에 기록할 것인가</a:t>
+              <a:rPr lang="ko-KR" altLang="en-US"/>
+              <a:t>어떻게 기록할 것인가</a:t>
             </a:r>
             <a:r>
-              <a:rPr lang="en-US" altLang="ko-KR" dirty="0"/>
+              <a:rPr lang="en-US" altLang="ko-KR"/>
               <a:t>.</a:t>
             </a:r>
           </a:p>
           <a:p>
             <a:r>
-              <a:rPr lang="ko-KR" altLang="en-US" dirty="0"/>
-              <a:t>어떻게 기록할 것인가</a:t>
+              <a:rPr lang="ko-KR" altLang="en-US"/>
+              <a:t>어떻게 사용할 것인가</a:t>
             </a:r>
             <a:r>
-              <a:rPr lang="en-US" altLang="ko-KR" dirty="0"/>
+              <a:rPr lang="en-US" altLang="ko-KR"/>
               <a:t>.</a:t>
             </a:r>
           </a:p>
           <a:p>
-            <a:r>
-              <a:rPr lang="ko-KR" altLang="en-US" dirty="0"/>
-              <a:t>어떻게 사용할 것인가</a:t>
-            </a:r>
-            <a:r>
-              <a:rPr lang="en-US" altLang="ko-KR" dirty="0"/>
-              <a:t>.</a:t>
-            </a:r>
             <a:endParaRPr lang="ko-KR" altLang="en-US" dirty="0"/>
           </a:p>
         </p:txBody>
@@ -17751,7 +18709,7 @@
 </p:sld>
 </file>
 
-<file path=ppt/slides/slide6.xml><?xml version="1.0" encoding="utf-8"?>
+<file path=ppt/slides/slide7.xml><?xml version="1.0" encoding="utf-8"?>
 <p:sld xmlns:a="http://schemas.openxmlformats.org/drawingml/2006/main" xmlns:r="http://schemas.openxmlformats.org/officeDocument/2006/relationships" xmlns:p="http://schemas.openxmlformats.org/presentationml/2006/main">
   <p:cSld>
     <p:spTree>
@@ -17865,7 +18823,7 @@
 </p:sld>
 </file>
 
-<file path=ppt/slides/slide7.xml><?xml version="1.0" encoding="utf-8"?>
+<file path=ppt/slides/slide8.xml><?xml version="1.0" encoding="utf-8"?>
 <p:sld xmlns:a="http://schemas.openxmlformats.org/drawingml/2006/main" xmlns:r="http://schemas.openxmlformats.org/officeDocument/2006/relationships" xmlns:p="http://schemas.openxmlformats.org/presentationml/2006/main">
   <p:cSld>
     <p:spTree>
@@ -18010,7 +18968,7 @@
 </p:sld>
 </file>
 
-<file path=ppt/slides/slide8.xml><?xml version="1.0" encoding="utf-8"?>
+<file path=ppt/slides/slide9.xml><?xml version="1.0" encoding="utf-8"?>
 <p:sld xmlns:a="http://schemas.openxmlformats.org/drawingml/2006/main" xmlns:r="http://schemas.openxmlformats.org/officeDocument/2006/relationships" xmlns:p="http://schemas.openxmlformats.org/presentationml/2006/main">
   <p:cSld>
     <p:spTree>
@@ -18160,120 +19118,6 @@
     <p:extLst>
       <p:ext uri="{BB962C8B-B14F-4D97-AF65-F5344CB8AC3E}">
         <p14:creationId xmlns:p14="http://schemas.microsoft.com/office/powerpoint/2010/main" val="2053317300"/>
-      </p:ext>
-    </p:extLst>
-  </p:cSld>
-  <p:clrMapOvr>
-    <a:masterClrMapping/>
-  </p:clrMapOvr>
-  <mc:AlternateContent xmlns:mc="http://schemas.openxmlformats.org/markup-compatibility/2006" xmlns:p14="http://schemas.microsoft.com/office/powerpoint/2010/main">
-    <mc:Choice Requires="p14">
-      <p:transition spd="med" p14:dur="700">
-        <p:fade/>
-      </p:transition>
-    </mc:Choice>
-    <mc:Fallback xmlns="">
-      <p:transition spd="med">
-        <p:fade/>
-      </p:transition>
-    </mc:Fallback>
-  </mc:AlternateContent>
-</p:sld>
-</file>
-
-<file path=ppt/slides/slide9.xml><?xml version="1.0" encoding="utf-8"?>
-<p:sld xmlns:a="http://schemas.openxmlformats.org/drawingml/2006/main" xmlns:r="http://schemas.openxmlformats.org/officeDocument/2006/relationships" xmlns:p="http://schemas.openxmlformats.org/presentationml/2006/main">
-  <p:cSld>
-    <p:spTree>
-      <p:nvGrpSpPr>
-        <p:cNvPr id="1" name=""/>
-        <p:cNvGrpSpPr/>
-        <p:nvPr/>
-      </p:nvGrpSpPr>
-      <p:grpSpPr>
-        <a:xfrm>
-          <a:off x="0" y="0"/>
-          <a:ext cx="0" cy="0"/>
-          <a:chOff x="0" y="0"/>
-          <a:chExt cx="0" cy="0"/>
-        </a:xfrm>
-      </p:grpSpPr>
-      <p:sp>
-        <p:nvSpPr>
-          <p:cNvPr id="2" name="제목 1">
-            <a:extLst>
-              <a:ext uri="{FF2B5EF4-FFF2-40B4-BE49-F238E27FC236}">
-                <a16:creationId xmlns:a16="http://schemas.microsoft.com/office/drawing/2014/main" id="{BA5D0597-4C5A-4BCD-822E-643F66B48745}"/>
-              </a:ext>
-            </a:extLst>
-          </p:cNvPr>
-          <p:cNvSpPr>
-            <a:spLocks noGrp="1"/>
-          </p:cNvSpPr>
-          <p:nvPr>
-            <p:ph type="title"/>
-          </p:nvPr>
-        </p:nvSpPr>
-        <p:spPr/>
-        <p:txBody>
-          <a:bodyPr>
-            <a:normAutofit/>
-          </a:bodyPr>
-          <a:lstStyle/>
-          <a:p>
-            <a:r>
-              <a:rPr lang="ko-KR" altLang="en-US" dirty="0"/>
-              <a:t>우리가 만들 로그 기능 </a:t>
-            </a:r>
-            <a:r>
-              <a:rPr lang="en-US" altLang="ko-KR" dirty="0"/>
-              <a:t>– </a:t>
-            </a:r>
-            <a:r>
-              <a:rPr lang="ko-KR" altLang="en-US" dirty="0"/>
-              <a:t>어디에 기록할 것인가</a:t>
-            </a:r>
-            <a:r>
-              <a:rPr lang="en-US" altLang="ko-KR" dirty="0"/>
-              <a:t>.</a:t>
-            </a:r>
-            <a:endParaRPr lang="ko-KR" altLang="en-US" dirty="0"/>
-          </a:p>
-        </p:txBody>
-      </p:sp>
-      <p:pic>
-        <p:nvPicPr>
-          <p:cNvPr id="13" name="내용 개체 틀 12">
-            <a:extLst>
-              <a:ext uri="{FF2B5EF4-FFF2-40B4-BE49-F238E27FC236}">
-                <a16:creationId xmlns:a16="http://schemas.microsoft.com/office/drawing/2014/main" id="{64E51A72-8506-4312-B3FF-9C40D3ACF159}"/>
-              </a:ext>
-            </a:extLst>
-          </p:cNvPr>
-          <p:cNvPicPr>
-            <a:picLocks noGrp="1" noChangeAspect="1"/>
-          </p:cNvPicPr>
-          <p:nvPr>
-            <p:ph idx="1"/>
-          </p:nvPr>
-        </p:nvPicPr>
-        <p:blipFill>
-          <a:blip r:embed="rId2"/>
-          <a:stretch>
-            <a:fillRect/>
-          </a:stretch>
-        </p:blipFill>
-        <p:spPr>
-          <a:xfrm>
-            <a:off x="1295400" y="1920812"/>
-            <a:ext cx="4428142" cy="3810000"/>
-          </a:xfrm>
-        </p:spPr>
-      </p:pic>
-    </p:spTree>
-    <p:extLst>
-      <p:ext uri="{BB962C8B-B14F-4D97-AF65-F5344CB8AC3E}">
-        <p14:creationId xmlns:p14="http://schemas.microsoft.com/office/powerpoint/2010/main" val="2072224079"/>
       </p:ext>
     </p:extLst>
   </p:cSld>

--- a/inflearn07/doc/교재.pptx
+++ b/inflearn07/doc/교재.pptx
@@ -5,10 +5,10 @@
     <p:sldMasterId id="2147483648" r:id="rId1"/>
   </p:sldMasterIdLst>
   <p:notesMasterIdLst>
-    <p:notesMasterId r:id="rId15"/>
+    <p:notesMasterId r:id="rId16"/>
   </p:notesMasterIdLst>
   <p:handoutMasterIdLst>
-    <p:handoutMasterId r:id="rId16"/>
+    <p:handoutMasterId r:id="rId17"/>
   </p:handoutMasterIdLst>
   <p:sldIdLst>
     <p:sldId id="261" r:id="rId2"/>
@@ -24,6 +24,7 @@
     <p:sldId id="293" r:id="rId12"/>
     <p:sldId id="295" r:id="rId13"/>
     <p:sldId id="297" r:id="rId14"/>
+    <p:sldId id="299" r:id="rId15"/>
   </p:sldIdLst>
   <p:sldSz cx="12192000" cy="6858000"/>
   <p:notesSz cx="6858000" cy="9144000"/>
@@ -16522,6 +16523,141 @@
     <p:extLst>
       <p:ext uri="{BB962C8B-B14F-4D97-AF65-F5344CB8AC3E}">
         <p14:creationId xmlns:p14="http://schemas.microsoft.com/office/powerpoint/2010/main" val="3920094031"/>
+      </p:ext>
+    </p:extLst>
+  </p:cSld>
+  <p:clrMapOvr>
+    <a:masterClrMapping/>
+  </p:clrMapOvr>
+  <mc:AlternateContent xmlns:mc="http://schemas.openxmlformats.org/markup-compatibility/2006" xmlns:p14="http://schemas.microsoft.com/office/powerpoint/2010/main">
+    <mc:Choice Requires="p14">
+      <p:transition spd="med" p14:dur="700">
+        <p:fade/>
+      </p:transition>
+    </mc:Choice>
+    <mc:Fallback xmlns="">
+      <p:transition spd="med">
+        <p:fade/>
+      </p:transition>
+    </mc:Fallback>
+  </mc:AlternateContent>
+</p:sld>
+</file>
+
+<file path=ppt/slides/slide14.xml><?xml version="1.0" encoding="utf-8"?>
+<p:sld xmlns:a="http://schemas.openxmlformats.org/drawingml/2006/main" xmlns:r="http://schemas.openxmlformats.org/officeDocument/2006/relationships" xmlns:p="http://schemas.openxmlformats.org/presentationml/2006/main">
+  <p:cSld>
+    <p:spTree>
+      <p:nvGrpSpPr>
+        <p:cNvPr id="1" name=""/>
+        <p:cNvGrpSpPr/>
+        <p:nvPr/>
+      </p:nvGrpSpPr>
+      <p:grpSpPr>
+        <a:xfrm>
+          <a:off x="0" y="0"/>
+          <a:ext cx="0" cy="0"/>
+          <a:chOff x="0" y="0"/>
+          <a:chExt cx="0" cy="0"/>
+        </a:xfrm>
+      </p:grpSpPr>
+      <p:sp>
+        <p:nvSpPr>
+          <p:cNvPr id="2" name="제목 1">
+            <a:extLst>
+              <a:ext uri="{FF2B5EF4-FFF2-40B4-BE49-F238E27FC236}">
+                <a16:creationId xmlns:a16="http://schemas.microsoft.com/office/drawing/2014/main" id="{BA5D0597-4C5A-4BCD-822E-643F66B48745}"/>
+              </a:ext>
+            </a:extLst>
+          </p:cNvPr>
+          <p:cNvSpPr>
+            <a:spLocks noGrp="1"/>
+          </p:cNvSpPr>
+          <p:nvPr>
+            <p:ph type="title"/>
+          </p:nvPr>
+        </p:nvSpPr>
+        <p:spPr/>
+        <p:txBody>
+          <a:bodyPr>
+            <a:normAutofit/>
+          </a:bodyPr>
+          <a:lstStyle/>
+          <a:p>
+            <a:r>
+              <a:rPr lang="ko-KR" altLang="en-US" dirty="0"/>
+              <a:t>우리가 만들 </a:t>
+            </a:r>
+            <a:r>
+              <a:rPr lang="ko-KR" altLang="en-US"/>
+              <a:t>로그 기능</a:t>
+            </a:r>
+            <a:endParaRPr lang="ko-KR" altLang="en-US" dirty="0"/>
+          </a:p>
+        </p:txBody>
+      </p:sp>
+      <p:sp>
+        <p:nvSpPr>
+          <p:cNvPr id="4" name="내용 개체 틀 3">
+            <a:extLst>
+              <a:ext uri="{FF2B5EF4-FFF2-40B4-BE49-F238E27FC236}">
+                <a16:creationId xmlns:a16="http://schemas.microsoft.com/office/drawing/2014/main" id="{D2FB020F-B105-4DD0-96AD-8CC52FCBA2F3}"/>
+              </a:ext>
+            </a:extLst>
+          </p:cNvPr>
+          <p:cNvSpPr>
+            <a:spLocks noGrp="1"/>
+          </p:cNvSpPr>
+          <p:nvPr>
+            <p:ph idx="1"/>
+          </p:nvPr>
+        </p:nvSpPr>
+        <p:spPr/>
+        <p:txBody>
+          <a:bodyPr/>
+          <a:lstStyle/>
+          <a:p>
+            <a:r>
+              <a:rPr lang="en-US" altLang="ko-KR"/>
+              <a:t>WAS</a:t>
+            </a:r>
+            <a:r>
+              <a:rPr lang="ko-KR" altLang="en-US"/>
+              <a:t> 관점의 로그 </a:t>
+            </a:r>
+            <a:r>
+              <a:rPr lang="en-US" altLang="ko-KR"/>
+              <a:t>: TraceRunner</a:t>
+            </a:r>
+          </a:p>
+          <a:p>
+            <a:r>
+              <a:rPr lang="en-US" altLang="ko-KR"/>
+              <a:t>AOP </a:t>
+            </a:r>
+            <a:r>
+              <a:rPr lang="ko-KR" altLang="en-US"/>
+              <a:t>관점의 로그 </a:t>
+            </a:r>
+            <a:r>
+              <a:rPr lang="en-US" altLang="ko-KR"/>
+              <a:t>:</a:t>
+            </a:r>
+            <a:r>
+              <a:rPr lang="ko-KR" altLang="en-US"/>
+              <a:t> </a:t>
+            </a:r>
+            <a:r>
+              <a:rPr lang="en-US" altLang="ko-KR"/>
+              <a:t>Trace</a:t>
+            </a:r>
+          </a:p>
+        </p:txBody>
+      </p:sp>
+    </p:spTree>
+    <p:extLst>
+      <p:ext uri="{BB962C8B-B14F-4D97-AF65-F5344CB8AC3E}">
+        <p14:creationId xmlns:p14="http://schemas.microsoft.com/office/powerpoint/2010/main" val="3956515770"/>
       </p:ext>
     </p:extLst>
   </p:cSld>
